--- a/documnet/ppt1.pptx
+++ b/documnet/ppt1.pptx
@@ -3803,29 +3803,6 @@
       </p:sp>
       <p:sp>
         <p:nvSpPr>
-          <p:cNvPr id="3" name="副标题 2"/>
-          <p:cNvSpPr>
-            <a:spLocks noGrp="1"/>
-          </p:cNvSpPr>
-          <p:nvPr>
-            <p:ph type="subTitle" idx="1"/>
-          </p:nvPr>
-        </p:nvSpPr>
-        <p:spPr/>
-        <p:txBody>
-          <a:bodyPr/>
-          <a:lstStyle/>
-          <a:p>
-            <a:r>
-              <a:rPr lang="zh-CN" altLang="en-US" dirty="0"/>
-              <a:t>小组成员：吴岳东，刘家溪</a:t>
-            </a:r>
-            <a:endParaRPr lang="en-US" altLang="zh-CN" dirty="0"/>
-          </a:p>
-        </p:txBody>
-      </p:sp>
-      <p:sp>
-        <p:nvSpPr>
           <p:cNvPr id="6" name="Text Box 5"/>
           <p:cNvSpPr txBox="1"/>
           <p:nvPr/>
